--- a/0장_블록 딥러닝 Kick Off.pptx
+++ b/0장_블록 딥러닝 Kick Off.pptx
@@ -22,10 +22,11 @@
     <p:sldId id="273" r:id="rId16"/>
     <p:sldId id="274" r:id="rId17"/>
     <p:sldId id="263" r:id="rId18"/>
-    <p:sldId id="276" r:id="rId19"/>
-    <p:sldId id="277" r:id="rId20"/>
-    <p:sldId id="275" r:id="rId21"/>
-    <p:sldId id="279" r:id="rId22"/>
+    <p:sldId id="280" r:id="rId19"/>
+    <p:sldId id="276" r:id="rId20"/>
+    <p:sldId id="277" r:id="rId21"/>
+    <p:sldId id="275" r:id="rId22"/>
+    <p:sldId id="279" r:id="rId23"/>
   </p:sldIdLst>
   <p:sldSz cx="12192000" cy="6858000"/>
   <p:notesSz cx="6858000" cy="9144000"/>
@@ -263,7 +264,7 @@
           <a:p>
             <a:fld id="{C1E47E2E-21E8-4D6D-BDEA-E3BDD821CFBE}" type="datetimeFigureOut">
               <a:rPr lang="ko-KR" altLang="en-US" smtClean="0"/>
-              <a:t>2018-07-05</a:t>
+              <a:t>2018-07-06</a:t>
             </a:fld>
             <a:endParaRPr lang="ko-KR" altLang="en-US"/>
           </a:p>
@@ -433,7 +434,7 @@
           <a:p>
             <a:fld id="{C1E47E2E-21E8-4D6D-BDEA-E3BDD821CFBE}" type="datetimeFigureOut">
               <a:rPr lang="ko-KR" altLang="en-US" smtClean="0"/>
-              <a:t>2018-07-05</a:t>
+              <a:t>2018-07-06</a:t>
             </a:fld>
             <a:endParaRPr lang="ko-KR" altLang="en-US"/>
           </a:p>
@@ -613,7 +614,7 @@
           <a:p>
             <a:fld id="{C1E47E2E-21E8-4D6D-BDEA-E3BDD821CFBE}" type="datetimeFigureOut">
               <a:rPr lang="ko-KR" altLang="en-US" smtClean="0"/>
-              <a:t>2018-07-05</a:t>
+              <a:t>2018-07-06</a:t>
             </a:fld>
             <a:endParaRPr lang="ko-KR" altLang="en-US"/>
           </a:p>
@@ -783,7 +784,7 @@
           <a:p>
             <a:fld id="{C1E47E2E-21E8-4D6D-BDEA-E3BDD821CFBE}" type="datetimeFigureOut">
               <a:rPr lang="ko-KR" altLang="en-US" smtClean="0"/>
-              <a:t>2018-07-05</a:t>
+              <a:t>2018-07-06</a:t>
             </a:fld>
             <a:endParaRPr lang="ko-KR" altLang="en-US"/>
           </a:p>
@@ -1029,7 +1030,7 @@
           <a:p>
             <a:fld id="{C1E47E2E-21E8-4D6D-BDEA-E3BDD821CFBE}" type="datetimeFigureOut">
               <a:rPr lang="ko-KR" altLang="en-US" smtClean="0"/>
-              <a:t>2018-07-05</a:t>
+              <a:t>2018-07-06</a:t>
             </a:fld>
             <a:endParaRPr lang="ko-KR" altLang="en-US"/>
           </a:p>
@@ -1261,7 +1262,7 @@
           <a:p>
             <a:fld id="{C1E47E2E-21E8-4D6D-BDEA-E3BDD821CFBE}" type="datetimeFigureOut">
               <a:rPr lang="ko-KR" altLang="en-US" smtClean="0"/>
-              <a:t>2018-07-05</a:t>
+              <a:t>2018-07-06</a:t>
             </a:fld>
             <a:endParaRPr lang="ko-KR" altLang="en-US"/>
           </a:p>
@@ -1628,7 +1629,7 @@
           <a:p>
             <a:fld id="{C1E47E2E-21E8-4D6D-BDEA-E3BDD821CFBE}" type="datetimeFigureOut">
               <a:rPr lang="ko-KR" altLang="en-US" smtClean="0"/>
-              <a:t>2018-07-05</a:t>
+              <a:t>2018-07-06</a:t>
             </a:fld>
             <a:endParaRPr lang="ko-KR" altLang="en-US"/>
           </a:p>
@@ -1746,7 +1747,7 @@
           <a:p>
             <a:fld id="{C1E47E2E-21E8-4D6D-BDEA-E3BDD821CFBE}" type="datetimeFigureOut">
               <a:rPr lang="ko-KR" altLang="en-US" smtClean="0"/>
-              <a:t>2018-07-05</a:t>
+              <a:t>2018-07-06</a:t>
             </a:fld>
             <a:endParaRPr lang="ko-KR" altLang="en-US"/>
           </a:p>
@@ -1841,7 +1842,7 @@
           <a:p>
             <a:fld id="{C1E47E2E-21E8-4D6D-BDEA-E3BDD821CFBE}" type="datetimeFigureOut">
               <a:rPr lang="ko-KR" altLang="en-US" smtClean="0"/>
-              <a:t>2018-07-05</a:t>
+              <a:t>2018-07-06</a:t>
             </a:fld>
             <a:endParaRPr lang="ko-KR" altLang="en-US"/>
           </a:p>
@@ -2118,7 +2119,7 @@
           <a:p>
             <a:fld id="{C1E47E2E-21E8-4D6D-BDEA-E3BDD821CFBE}" type="datetimeFigureOut">
               <a:rPr lang="ko-KR" altLang="en-US" smtClean="0"/>
-              <a:t>2018-07-05</a:t>
+              <a:t>2018-07-06</a:t>
             </a:fld>
             <a:endParaRPr lang="ko-KR" altLang="en-US"/>
           </a:p>
@@ -2371,7 +2372,7 @@
           <a:p>
             <a:fld id="{C1E47E2E-21E8-4D6D-BDEA-E3BDD821CFBE}" type="datetimeFigureOut">
               <a:rPr lang="ko-KR" altLang="en-US" smtClean="0"/>
-              <a:t>2018-07-05</a:t>
+              <a:t>2018-07-06</a:t>
             </a:fld>
             <a:endParaRPr lang="ko-KR" altLang="en-US"/>
           </a:p>
@@ -2584,7 +2585,7 @@
           <a:p>
             <a:fld id="{C1E47E2E-21E8-4D6D-BDEA-E3BDD821CFBE}" type="datetimeFigureOut">
               <a:rPr lang="ko-KR" altLang="en-US" smtClean="0"/>
-              <a:t>2018-07-05</a:t>
+              <a:t>2018-07-06</a:t>
             </a:fld>
             <a:endParaRPr lang="ko-KR" altLang="en-US"/>
           </a:p>
@@ -3403,17 +3404,7 @@
                 <a:latin typeface="HY엽서M" panose="02030600000101010101" pitchFamily="18" charset="-127"/>
                 <a:ea typeface="HY엽서M" panose="02030600000101010101" pitchFamily="18" charset="-127"/>
               </a:rPr>
-              <a:t> </a:t>
-            </a:r>
-            <a:r>
-              <a:rPr lang="ko-KR" altLang="en-US" sz="3600" dirty="0" smtClean="0">
-                <a:solidFill>
-                  <a:srgbClr val="00B050"/>
-                </a:solidFill>
-                <a:latin typeface="HY엽서M" panose="02030600000101010101" pitchFamily="18" charset="-127"/>
-                <a:ea typeface="HY엽서M" panose="02030600000101010101" pitchFamily="18" charset="-127"/>
-              </a:rPr>
-              <a:t>학습하는 것</a:t>
+              <a:t> 학습하는 것</a:t>
             </a:r>
             <a:r>
               <a:rPr lang="en-US" altLang="ko-KR" sz="3600" dirty="0" smtClean="0">
@@ -4243,14 +4234,7 @@
                 <a:latin typeface="HY엽서M" panose="02030600000101010101" pitchFamily="18" charset="-127"/>
                 <a:ea typeface="HY엽서M" panose="02030600000101010101" pitchFamily="18" charset="-127"/>
               </a:rPr>
-              <a:t>함께 공부할 될 </a:t>
-            </a:r>
-            <a:r>
-              <a:rPr lang="ko-KR" altLang="en-US" dirty="0" smtClean="0">
-                <a:latin typeface="HY엽서M" panose="02030600000101010101" pitchFamily="18" charset="-127"/>
-                <a:ea typeface="HY엽서M" panose="02030600000101010101" pitchFamily="18" charset="-127"/>
-              </a:rPr>
-              <a:t>내용</a:t>
+              <a:t>함께 공부할 될 내용</a:t>
             </a:r>
             <a:endParaRPr lang="ko-KR" altLang="en-US" dirty="0">
               <a:latin typeface="HY엽서M" panose="02030600000101010101" pitchFamily="18" charset="-127"/>
@@ -7937,6 +7921,73 @@
       </p:grpSpPr>
       <p:pic>
         <p:nvPicPr>
+          <p:cNvPr id="2" name="그림 1"/>
+          <p:cNvPicPr>
+            <a:picLocks noChangeAspect="1"/>
+          </p:cNvPicPr>
+          <p:nvPr/>
+        </p:nvPicPr>
+        <p:blipFill>
+          <a:blip r:embed="rId2">
+            <a:extLst>
+              <a:ext uri="{28A0092B-C50C-407E-A947-70E740481C1C}">
+                <a14:useLocalDpi xmlns:a14="http://schemas.microsoft.com/office/drawing/2010/main" val="0"/>
+              </a:ext>
+            </a:extLst>
+          </a:blip>
+          <a:stretch>
+            <a:fillRect/>
+          </a:stretch>
+        </p:blipFill>
+        <p:spPr>
+          <a:xfrm>
+            <a:off x="3131877" y="957775"/>
+            <a:ext cx="5711872" cy="4920997"/>
+          </a:xfrm>
+          <a:prstGeom prst="rect">
+            <a:avLst/>
+          </a:prstGeom>
+        </p:spPr>
+      </p:pic>
+    </p:spTree>
+    <p:extLst>
+      <p:ext uri="{BB962C8B-B14F-4D97-AF65-F5344CB8AC3E}">
+        <p14:creationId xmlns:p14="http://schemas.microsoft.com/office/powerpoint/2010/main" val="2590009912"/>
+      </p:ext>
+    </p:extLst>
+  </p:cSld>
+  <p:clrMapOvr>
+    <a:masterClrMapping/>
+  </p:clrMapOvr>
+  <p:timing>
+    <p:tnLst>
+      <p:par>
+        <p:cTn id="1" dur="indefinite" restart="never" nodeType="tmRoot"/>
+      </p:par>
+    </p:tnLst>
+  </p:timing>
+</p:sld>
+</file>
+
+<file path=ppt/slides/slide19.xml><?xml version="1.0" encoding="utf-8"?>
+<p:sld xmlns:a="http://schemas.openxmlformats.org/drawingml/2006/main" xmlns:r="http://schemas.openxmlformats.org/officeDocument/2006/relationships" xmlns:p="http://schemas.openxmlformats.org/presentationml/2006/main">
+  <p:cSld>
+    <p:spTree>
+      <p:nvGrpSpPr>
+        <p:cNvPr id="1" name=""/>
+        <p:cNvGrpSpPr/>
+        <p:nvPr/>
+      </p:nvGrpSpPr>
+      <p:grpSpPr>
+        <a:xfrm>
+          <a:off x="0" y="0"/>
+          <a:ext cx="0" cy="0"/>
+          <a:chOff x="0" y="0"/>
+          <a:chExt cx="0" cy="0"/>
+        </a:xfrm>
+      </p:grpSpPr>
+      <p:pic>
+        <p:nvPicPr>
           <p:cNvPr id="3" name="그림 2"/>
           <p:cNvPicPr>
             <a:picLocks noChangeAspect="1"/>
@@ -8407,7 +8458,663 @@
 </p:sld>
 </file>
 
-<file path=ppt/slides/slide19.xml><?xml version="1.0" encoding="utf-8"?>
+<file path=ppt/slides/slide2.xml><?xml version="1.0" encoding="utf-8"?>
+<p:sld xmlns:a="http://schemas.openxmlformats.org/drawingml/2006/main" xmlns:r="http://schemas.openxmlformats.org/officeDocument/2006/relationships" xmlns:p="http://schemas.openxmlformats.org/presentationml/2006/main">
+  <p:cSld>
+    <p:spTree>
+      <p:nvGrpSpPr>
+        <p:cNvPr id="1" name=""/>
+        <p:cNvGrpSpPr/>
+        <p:nvPr/>
+      </p:nvGrpSpPr>
+      <p:grpSpPr>
+        <a:xfrm>
+          <a:off x="0" y="0"/>
+          <a:ext cx="0" cy="0"/>
+          <a:chOff x="0" y="0"/>
+          <a:chExt cx="0" cy="0"/>
+        </a:xfrm>
+      </p:grpSpPr>
+      <p:sp>
+        <p:nvSpPr>
+          <p:cNvPr id="3" name="TextBox 2"/>
+          <p:cNvSpPr txBox="1"/>
+          <p:nvPr/>
+        </p:nvSpPr>
+        <p:spPr>
+          <a:xfrm>
+            <a:off x="477672" y="600502"/>
+            <a:ext cx="10686197" cy="4616648"/>
+          </a:xfrm>
+          <a:prstGeom prst="rect">
+            <a:avLst/>
+          </a:prstGeom>
+          <a:noFill/>
+        </p:spPr>
+        <p:txBody>
+          <a:bodyPr wrap="square" rtlCol="0">
+            <a:spAutoFit/>
+          </a:bodyPr>
+          <a:lstStyle/>
+          <a:p>
+            <a:r>
+              <a:rPr lang="en-US" altLang="ko-KR" sz="3600" dirty="0" smtClean="0">
+                <a:solidFill>
+                  <a:srgbClr val="00B0F0"/>
+                </a:solidFill>
+                <a:latin typeface="HY헤드라인M" panose="02030600000101010101" pitchFamily="18" charset="-127"/>
+                <a:ea typeface="HY헤드라인M" panose="02030600000101010101" pitchFamily="18" charset="-127"/>
+              </a:rPr>
+              <a:t>F</a:t>
+            </a:r>
+            <a:r>
+              <a:rPr lang="en-US" altLang="ko-KR" sz="2400" dirty="0" smtClean="0">
+                <a:latin typeface="HY헤드라인M" panose="02030600000101010101" pitchFamily="18" charset="-127"/>
+                <a:ea typeface="HY헤드라인M" panose="02030600000101010101" pitchFamily="18" charset="-127"/>
+              </a:rPr>
+              <a:t>requently </a:t>
+            </a:r>
+            <a:r>
+              <a:rPr lang="en-US" altLang="ko-KR" sz="3600" dirty="0" smtClean="0">
+                <a:solidFill>
+                  <a:srgbClr val="00B050"/>
+                </a:solidFill>
+                <a:latin typeface="HY헤드라인M" panose="02030600000101010101" pitchFamily="18" charset="-127"/>
+                <a:ea typeface="HY헤드라인M" panose="02030600000101010101" pitchFamily="18" charset="-127"/>
+              </a:rPr>
+              <a:t>A</a:t>
+            </a:r>
+            <a:r>
+              <a:rPr lang="en-US" altLang="ko-KR" sz="2400" dirty="0" smtClean="0">
+                <a:latin typeface="HY헤드라인M" panose="02030600000101010101" pitchFamily="18" charset="-127"/>
+                <a:ea typeface="HY헤드라인M" panose="02030600000101010101" pitchFamily="18" charset="-127"/>
+              </a:rPr>
+              <a:t>sked </a:t>
+            </a:r>
+            <a:r>
+              <a:rPr lang="en-US" altLang="ko-KR" sz="3600" dirty="0" smtClean="0">
+                <a:solidFill>
+                  <a:srgbClr val="FFC000"/>
+                </a:solidFill>
+                <a:latin typeface="HY헤드라인M" panose="02030600000101010101" pitchFamily="18" charset="-127"/>
+                <a:ea typeface="HY헤드라인M" panose="02030600000101010101" pitchFamily="18" charset="-127"/>
+              </a:rPr>
+              <a:t>Q</a:t>
+            </a:r>
+            <a:r>
+              <a:rPr lang="en-US" altLang="ko-KR" sz="2400" dirty="0" smtClean="0">
+                <a:latin typeface="HY헤드라인M" panose="02030600000101010101" pitchFamily="18" charset="-127"/>
+                <a:ea typeface="HY헤드라인M" panose="02030600000101010101" pitchFamily="18" charset="-127"/>
+              </a:rPr>
+              <a:t>uestions</a:t>
+            </a:r>
+          </a:p>
+          <a:p>
+            <a:endParaRPr lang="en-US" altLang="ko-KR" dirty="0">
+              <a:latin typeface="HY헤드라인M" panose="02030600000101010101" pitchFamily="18" charset="-127"/>
+              <a:ea typeface="HY헤드라인M" panose="02030600000101010101" pitchFamily="18" charset="-127"/>
+            </a:endParaRPr>
+          </a:p>
+          <a:p>
+            <a:endParaRPr lang="en-US" altLang="ko-KR" sz="2000" dirty="0" smtClean="0">
+              <a:latin typeface="HY헤드라인M" panose="02030600000101010101" pitchFamily="18" charset="-127"/>
+              <a:ea typeface="HY헤드라인M" panose="02030600000101010101" pitchFamily="18" charset="-127"/>
+            </a:endParaRPr>
+          </a:p>
+          <a:p>
+            <a:r>
+              <a:rPr lang="en-US" altLang="ko-KR" sz="2000" dirty="0" smtClean="0">
+                <a:latin typeface="HY헤드라인M" panose="02030600000101010101" pitchFamily="18" charset="-127"/>
+                <a:ea typeface="HY헤드라인M" panose="02030600000101010101" pitchFamily="18" charset="-127"/>
+              </a:rPr>
+              <a:t>Q: </a:t>
+            </a:r>
+            <a:r>
+              <a:rPr lang="ko-KR" altLang="en-US" sz="2000" dirty="0" err="1" smtClean="0">
+                <a:latin typeface="HY헤드라인M" panose="02030600000101010101" pitchFamily="18" charset="-127"/>
+                <a:ea typeface="HY헤드라인M" panose="02030600000101010101" pitchFamily="18" charset="-127"/>
+              </a:rPr>
+              <a:t>웰컴</a:t>
+            </a:r>
+            <a:r>
+              <a:rPr lang="ko-KR" altLang="en-US" sz="2000" dirty="0" smtClean="0">
+                <a:latin typeface="HY헤드라인M" panose="02030600000101010101" pitchFamily="18" charset="-127"/>
+                <a:ea typeface="HY헤드라인M" panose="02030600000101010101" pitchFamily="18" charset="-127"/>
+              </a:rPr>
+              <a:t> </a:t>
+            </a:r>
+            <a:r>
+              <a:rPr lang="ko-KR" altLang="en-US" sz="2000" dirty="0" smtClean="0">
+                <a:solidFill>
+                  <a:srgbClr val="FFC000"/>
+                </a:solidFill>
+                <a:latin typeface="HY헤드라인M" panose="02030600000101010101" pitchFamily="18" charset="-127"/>
+                <a:ea typeface="HY헤드라인M" panose="02030600000101010101" pitchFamily="18" charset="-127"/>
+              </a:rPr>
+              <a:t>대상</a:t>
+            </a:r>
+            <a:r>
+              <a:rPr lang="ko-KR" altLang="en-US" sz="2000" dirty="0" smtClean="0">
+                <a:latin typeface="HY헤드라인M" panose="02030600000101010101" pitchFamily="18" charset="-127"/>
+                <a:ea typeface="HY헤드라인M" panose="02030600000101010101" pitchFamily="18" charset="-127"/>
+              </a:rPr>
+              <a:t>은 누구인가요</a:t>
+            </a:r>
+            <a:r>
+              <a:rPr lang="en-US" altLang="ko-KR" sz="2000" dirty="0" smtClean="0">
+                <a:latin typeface="HY헤드라인M" panose="02030600000101010101" pitchFamily="18" charset="-127"/>
+                <a:ea typeface="HY헤드라인M" panose="02030600000101010101" pitchFamily="18" charset="-127"/>
+              </a:rPr>
+              <a:t>?</a:t>
+            </a:r>
+          </a:p>
+          <a:p>
+            <a:r>
+              <a:rPr lang="en-US" altLang="ko-KR" sz="2000" dirty="0" smtClean="0">
+                <a:latin typeface="HY헤드라인M" panose="02030600000101010101" pitchFamily="18" charset="-127"/>
+                <a:ea typeface="HY헤드라인M" panose="02030600000101010101" pitchFamily="18" charset="-127"/>
+              </a:rPr>
+              <a:t>A: </a:t>
+            </a:r>
+            <a:r>
+              <a:rPr lang="ko-KR" altLang="en-US" sz="2000" dirty="0" smtClean="0">
+                <a:latin typeface="HY헤드라인M" panose="02030600000101010101" pitchFamily="18" charset="-127"/>
+                <a:ea typeface="HY헤드라인M" panose="02030600000101010101" pitchFamily="18" charset="-127"/>
+              </a:rPr>
+              <a:t>잠이 없어서</a:t>
+            </a:r>
+            <a:r>
+              <a:rPr lang="en-US" altLang="ko-KR" sz="2000" dirty="0" smtClean="0">
+                <a:latin typeface="HY헤드라인M" panose="02030600000101010101" pitchFamily="18" charset="-127"/>
+                <a:ea typeface="HY헤드라인M" panose="02030600000101010101" pitchFamily="18" charset="-127"/>
+              </a:rPr>
+              <a:t>, </a:t>
+            </a:r>
+            <a:r>
+              <a:rPr lang="ko-KR" altLang="en-US" sz="2000" dirty="0" smtClean="0">
+                <a:latin typeface="HY헤드라인M" panose="02030600000101010101" pitchFamily="18" charset="-127"/>
+                <a:ea typeface="HY헤드라인M" panose="02030600000101010101" pitchFamily="18" charset="-127"/>
+              </a:rPr>
+              <a:t>토요일 아침에 </a:t>
+            </a:r>
+            <a:r>
+              <a:rPr lang="ko-KR" altLang="en-US" sz="2000" dirty="0" err="1" smtClean="0">
+                <a:latin typeface="HY헤드라인M" panose="02030600000101010101" pitchFamily="18" charset="-127"/>
+                <a:ea typeface="HY헤드라인M" panose="02030600000101010101" pitchFamily="18" charset="-127"/>
+              </a:rPr>
+              <a:t>딥러닝이나</a:t>
+            </a:r>
+            <a:r>
+              <a:rPr lang="ko-KR" altLang="en-US" sz="2000" dirty="0" smtClean="0">
+                <a:latin typeface="HY헤드라인M" panose="02030600000101010101" pitchFamily="18" charset="-127"/>
+                <a:ea typeface="HY헤드라인M" panose="02030600000101010101" pitchFamily="18" charset="-127"/>
+              </a:rPr>
+              <a:t> 공부해 봐야 </a:t>
+            </a:r>
+            <a:r>
+              <a:rPr lang="ko-KR" altLang="en-US" sz="2000" dirty="0" err="1" smtClean="0">
+                <a:latin typeface="HY헤드라인M" panose="02030600000101010101" pitchFamily="18" charset="-127"/>
+                <a:ea typeface="HY헤드라인M" panose="02030600000101010101" pitchFamily="18" charset="-127"/>
+              </a:rPr>
+              <a:t>겠다는</a:t>
+            </a:r>
+            <a:r>
+              <a:rPr lang="ko-KR" altLang="en-US" sz="2000" dirty="0" smtClean="0">
+                <a:latin typeface="HY헤드라인M" panose="02030600000101010101" pitchFamily="18" charset="-127"/>
+                <a:ea typeface="HY헤드라인M" panose="02030600000101010101" pitchFamily="18" charset="-127"/>
+              </a:rPr>
+              <a:t> 그 누구든</a:t>
+            </a:r>
+            <a:r>
+              <a:rPr lang="en-US" altLang="ko-KR" sz="2000" dirty="0" smtClean="0">
+                <a:latin typeface="HY헤드라인M" panose="02030600000101010101" pitchFamily="18" charset="-127"/>
+                <a:ea typeface="HY헤드라인M" panose="02030600000101010101" pitchFamily="18" charset="-127"/>
+              </a:rPr>
+              <a:t>~</a:t>
+            </a:r>
+          </a:p>
+          <a:p>
+            <a:endParaRPr lang="en-US" altLang="ko-KR" sz="2000" dirty="0">
+              <a:latin typeface="HY헤드라인M" panose="02030600000101010101" pitchFamily="18" charset="-127"/>
+              <a:ea typeface="HY헤드라인M" panose="02030600000101010101" pitchFamily="18" charset="-127"/>
+            </a:endParaRPr>
+          </a:p>
+          <a:p>
+            <a:r>
+              <a:rPr lang="en-US" altLang="ko-KR" sz="2000" dirty="0" smtClean="0">
+                <a:latin typeface="HY헤드라인M" panose="02030600000101010101" pitchFamily="18" charset="-127"/>
+                <a:ea typeface="HY헤드라인M" panose="02030600000101010101" pitchFamily="18" charset="-127"/>
+              </a:rPr>
+              <a:t>Q: </a:t>
+            </a:r>
+            <a:r>
+              <a:rPr lang="ko-KR" altLang="en-US" sz="2000" dirty="0" err="1" smtClean="0">
+                <a:latin typeface="HY헤드라인M" panose="02030600000101010101" pitchFamily="18" charset="-127"/>
+                <a:ea typeface="HY헤드라인M" panose="02030600000101010101" pitchFamily="18" charset="-127"/>
+              </a:rPr>
+              <a:t>스터디에서는</a:t>
+            </a:r>
+            <a:r>
+              <a:rPr lang="ko-KR" altLang="en-US" sz="2000" dirty="0" smtClean="0">
+                <a:latin typeface="HY헤드라인M" panose="02030600000101010101" pitchFamily="18" charset="-127"/>
+                <a:ea typeface="HY헤드라인M" panose="02030600000101010101" pitchFamily="18" charset="-127"/>
+              </a:rPr>
+              <a:t> </a:t>
+            </a:r>
+            <a:r>
+              <a:rPr lang="ko-KR" altLang="en-US" sz="2000" dirty="0" smtClean="0">
+                <a:solidFill>
+                  <a:srgbClr val="00B050"/>
+                </a:solidFill>
+                <a:latin typeface="HY헤드라인M" panose="02030600000101010101" pitchFamily="18" charset="-127"/>
+                <a:ea typeface="HY헤드라인M" panose="02030600000101010101" pitchFamily="18" charset="-127"/>
+              </a:rPr>
+              <a:t>뭘</a:t>
+            </a:r>
+            <a:r>
+              <a:rPr lang="ko-KR" altLang="en-US" sz="2000" dirty="0" smtClean="0">
+                <a:latin typeface="HY헤드라인M" panose="02030600000101010101" pitchFamily="18" charset="-127"/>
+                <a:ea typeface="HY헤드라인M" panose="02030600000101010101" pitchFamily="18" charset="-127"/>
+              </a:rPr>
+              <a:t> 하냐</a:t>
+            </a:r>
+            <a:r>
+              <a:rPr lang="en-US" altLang="ko-KR" sz="2000" dirty="0" smtClean="0">
+                <a:latin typeface="HY헤드라인M" panose="02030600000101010101" pitchFamily="18" charset="-127"/>
+                <a:ea typeface="HY헤드라인M" panose="02030600000101010101" pitchFamily="18" charset="-127"/>
+              </a:rPr>
+              <a:t>?</a:t>
+            </a:r>
+          </a:p>
+          <a:p>
+            <a:r>
+              <a:rPr lang="en-US" altLang="ko-KR" sz="2000" dirty="0" smtClean="0">
+                <a:latin typeface="HY헤드라인M" panose="02030600000101010101" pitchFamily="18" charset="-127"/>
+                <a:ea typeface="HY헤드라인M" panose="02030600000101010101" pitchFamily="18" charset="-127"/>
+              </a:rPr>
+              <a:t>A: </a:t>
+            </a:r>
+            <a:r>
+              <a:rPr lang="ko-KR" altLang="en-US" sz="2000" dirty="0" err="1" smtClean="0">
+                <a:latin typeface="HY헤드라인M" panose="02030600000101010101" pitchFamily="18" charset="-127"/>
+                <a:ea typeface="HY헤드라인M" panose="02030600000101010101" pitchFamily="18" charset="-127"/>
+              </a:rPr>
+              <a:t>잼있게</a:t>
+            </a:r>
+            <a:r>
+              <a:rPr lang="ko-KR" altLang="en-US" sz="2000" dirty="0" smtClean="0">
+                <a:latin typeface="HY헤드라인M" panose="02030600000101010101" pitchFamily="18" charset="-127"/>
+                <a:ea typeface="HY헤드라인M" panose="02030600000101010101" pitchFamily="18" charset="-127"/>
+              </a:rPr>
+              <a:t> </a:t>
+            </a:r>
+            <a:r>
+              <a:rPr lang="en-US" altLang="ko-KR" sz="2000" dirty="0" smtClean="0">
+                <a:latin typeface="HY헤드라인M" panose="02030600000101010101" pitchFamily="18" charset="-127"/>
+                <a:ea typeface="HY헤드라인M" panose="02030600000101010101" pitchFamily="18" charset="-127"/>
+              </a:rPr>
+              <a:t>&lt;&lt;</a:t>
+            </a:r>
+            <a:r>
+              <a:rPr lang="ko-KR" altLang="en-US" sz="2000" dirty="0" smtClean="0">
+                <a:latin typeface="HY헤드라인M" panose="02030600000101010101" pitchFamily="18" charset="-127"/>
+                <a:ea typeface="HY헤드라인M" panose="02030600000101010101" pitchFamily="18" charset="-127"/>
+              </a:rPr>
+              <a:t>블록과 함께하는 </a:t>
+            </a:r>
+            <a:r>
+              <a:rPr lang="ko-KR" altLang="en-US" sz="2000" dirty="0" err="1" smtClean="0">
+                <a:latin typeface="HY헤드라인M" panose="02030600000101010101" pitchFamily="18" charset="-127"/>
+                <a:ea typeface="HY헤드라인M" panose="02030600000101010101" pitchFamily="18" charset="-127"/>
+              </a:rPr>
+              <a:t>파이썬</a:t>
+            </a:r>
+            <a:r>
+              <a:rPr lang="ko-KR" altLang="en-US" sz="2000" dirty="0" smtClean="0">
+                <a:latin typeface="HY헤드라인M" panose="02030600000101010101" pitchFamily="18" charset="-127"/>
+                <a:ea typeface="HY헤드라인M" panose="02030600000101010101" pitchFamily="18" charset="-127"/>
+              </a:rPr>
+              <a:t> </a:t>
+            </a:r>
+            <a:r>
+              <a:rPr lang="ko-KR" altLang="en-US" sz="2000" dirty="0" err="1" smtClean="0">
+                <a:latin typeface="HY헤드라인M" panose="02030600000101010101" pitchFamily="18" charset="-127"/>
+                <a:ea typeface="HY헤드라인M" panose="02030600000101010101" pitchFamily="18" charset="-127"/>
+              </a:rPr>
+              <a:t>딥러닝</a:t>
+            </a:r>
+            <a:r>
+              <a:rPr lang="ko-KR" altLang="en-US" sz="2000" dirty="0" smtClean="0">
+                <a:latin typeface="HY헤드라인M" panose="02030600000101010101" pitchFamily="18" charset="-127"/>
+                <a:ea typeface="HY헤드라인M" panose="02030600000101010101" pitchFamily="18" charset="-127"/>
+              </a:rPr>
+              <a:t> </a:t>
+            </a:r>
+            <a:r>
+              <a:rPr lang="ko-KR" altLang="en-US" sz="2000" dirty="0" err="1" smtClean="0">
+                <a:latin typeface="HY헤드라인M" panose="02030600000101010101" pitchFamily="18" charset="-127"/>
+                <a:ea typeface="HY헤드라인M" panose="02030600000101010101" pitchFamily="18" charset="-127"/>
+              </a:rPr>
+              <a:t>케라스</a:t>
+            </a:r>
+            <a:r>
+              <a:rPr lang="en-US" altLang="ko-KR" sz="2000" dirty="0" smtClean="0">
+                <a:latin typeface="HY헤드라인M" panose="02030600000101010101" pitchFamily="18" charset="-127"/>
+                <a:ea typeface="HY헤드라인M" panose="02030600000101010101" pitchFamily="18" charset="-127"/>
+              </a:rPr>
+              <a:t>&gt;&gt; </a:t>
+            </a:r>
+            <a:r>
+              <a:rPr lang="ko-KR" altLang="en-US" sz="2000" dirty="0" smtClean="0">
+                <a:latin typeface="HY헤드라인M" panose="02030600000101010101" pitchFamily="18" charset="-127"/>
+                <a:ea typeface="HY헤드라인M" panose="02030600000101010101" pitchFamily="18" charset="-127"/>
+              </a:rPr>
+              <a:t>책을 </a:t>
+            </a:r>
+            <a:r>
+              <a:rPr lang="ko-KR" altLang="en-US" sz="2000" dirty="0">
+                <a:latin typeface="HY헤드라인M" panose="02030600000101010101" pitchFamily="18" charset="-127"/>
+                <a:ea typeface="HY헤드라인M" panose="02030600000101010101" pitchFamily="18" charset="-127"/>
+              </a:rPr>
+              <a:t>훑</a:t>
+            </a:r>
+            <a:r>
+              <a:rPr lang="ko-KR" altLang="en-US" sz="2000" dirty="0" smtClean="0">
+                <a:latin typeface="HY헤드라인M" panose="02030600000101010101" pitchFamily="18" charset="-127"/>
+                <a:ea typeface="HY헤드라인M" panose="02030600000101010101" pitchFamily="18" charset="-127"/>
+              </a:rPr>
+              <a:t>어본다</a:t>
+            </a:r>
+            <a:r>
+              <a:rPr lang="en-US" altLang="ko-KR" sz="2000" dirty="0" smtClean="0">
+                <a:latin typeface="HY헤드라인M" panose="02030600000101010101" pitchFamily="18" charset="-127"/>
+                <a:ea typeface="HY헤드라인M" panose="02030600000101010101" pitchFamily="18" charset="-127"/>
+              </a:rPr>
+              <a:t>? </a:t>
+            </a:r>
+            <a:r>
+              <a:rPr lang="ko-KR" altLang="en-US" sz="2000" dirty="0" smtClean="0">
+                <a:latin typeface="HY헤드라인M" panose="02030600000101010101" pitchFamily="18" charset="-127"/>
+                <a:ea typeface="HY헤드라인M" panose="02030600000101010101" pitchFamily="18" charset="-127"/>
+              </a:rPr>
+              <a:t>실습도 함께</a:t>
+            </a:r>
+            <a:r>
+              <a:rPr lang="en-US" altLang="ko-KR" sz="2000" dirty="0" smtClean="0">
+                <a:latin typeface="HY헤드라인M" panose="02030600000101010101" pitchFamily="18" charset="-127"/>
+                <a:ea typeface="HY헤드라인M" panose="02030600000101010101" pitchFamily="18" charset="-127"/>
+              </a:rPr>
+              <a:t>~</a:t>
+            </a:r>
+          </a:p>
+          <a:p>
+            <a:r>
+              <a:rPr lang="en-US" altLang="ko-KR" sz="2000" dirty="0" smtClean="0">
+                <a:latin typeface="HY헤드라인M" panose="02030600000101010101" pitchFamily="18" charset="-127"/>
+                <a:ea typeface="HY헤드라인M" panose="02030600000101010101" pitchFamily="18" charset="-127"/>
+              </a:rPr>
+              <a:t> </a:t>
+            </a:r>
+            <a:endParaRPr lang="en-US" altLang="ko-KR" sz="2000" dirty="0">
+              <a:latin typeface="HY헤드라인M" panose="02030600000101010101" pitchFamily="18" charset="-127"/>
+              <a:ea typeface="HY헤드라인M" panose="02030600000101010101" pitchFamily="18" charset="-127"/>
+            </a:endParaRPr>
+          </a:p>
+          <a:p>
+            <a:r>
+              <a:rPr lang="en-US" altLang="ko-KR" sz="2000" dirty="0" smtClean="0">
+                <a:latin typeface="HY헤드라인M" panose="02030600000101010101" pitchFamily="18" charset="-127"/>
+                <a:ea typeface="HY헤드라인M" panose="02030600000101010101" pitchFamily="18" charset="-127"/>
+              </a:rPr>
+              <a:t>Q: </a:t>
+            </a:r>
+            <a:r>
+              <a:rPr lang="ko-KR" altLang="en-US" sz="2000" dirty="0" smtClean="0">
+                <a:latin typeface="HY헤드라인M" panose="02030600000101010101" pitchFamily="18" charset="-127"/>
+                <a:ea typeface="HY헤드라인M" panose="02030600000101010101" pitchFamily="18" charset="-127"/>
+              </a:rPr>
+              <a:t>시간은 </a:t>
+            </a:r>
+            <a:r>
+              <a:rPr lang="ko-KR" altLang="en-US" sz="2000" dirty="0" smtClean="0">
+                <a:solidFill>
+                  <a:srgbClr val="00B0F0"/>
+                </a:solidFill>
+                <a:latin typeface="HY헤드라인M" panose="02030600000101010101" pitchFamily="18" charset="-127"/>
+                <a:ea typeface="HY헤드라인M" panose="02030600000101010101" pitchFamily="18" charset="-127"/>
+              </a:rPr>
+              <a:t>언제</a:t>
+            </a:r>
+            <a:r>
+              <a:rPr lang="en-US" altLang="ko-KR" sz="2000" dirty="0" smtClean="0">
+                <a:latin typeface="HY헤드라인M" panose="02030600000101010101" pitchFamily="18" charset="-127"/>
+                <a:ea typeface="HY헤드라인M" panose="02030600000101010101" pitchFamily="18" charset="-127"/>
+              </a:rPr>
+              <a:t>? </a:t>
+            </a:r>
+            <a:r>
+              <a:rPr lang="ko-KR" altLang="en-US" sz="2000" dirty="0" smtClean="0">
+                <a:latin typeface="HY헤드라인M" panose="02030600000101010101" pitchFamily="18" charset="-127"/>
+                <a:ea typeface="HY헤드라인M" panose="02030600000101010101" pitchFamily="18" charset="-127"/>
+              </a:rPr>
+              <a:t>기간은 얼마냐</a:t>
+            </a:r>
+            <a:r>
+              <a:rPr lang="en-US" altLang="ko-KR" sz="2000" dirty="0" smtClean="0">
+                <a:latin typeface="HY헤드라인M" panose="02030600000101010101" pitchFamily="18" charset="-127"/>
+                <a:ea typeface="HY헤드라인M" panose="02030600000101010101" pitchFamily="18" charset="-127"/>
+              </a:rPr>
+              <a:t>?</a:t>
+            </a:r>
+          </a:p>
+          <a:p>
+            <a:r>
+              <a:rPr lang="en-US" altLang="ko-KR" sz="2000" dirty="0" smtClean="0">
+                <a:latin typeface="HY헤드라인M" panose="02030600000101010101" pitchFamily="18" charset="-127"/>
+                <a:ea typeface="HY헤드라인M" panose="02030600000101010101" pitchFamily="18" charset="-127"/>
+              </a:rPr>
+              <a:t>A: </a:t>
+            </a:r>
+            <a:r>
+              <a:rPr lang="ko-KR" altLang="en-US" sz="2000" dirty="0" smtClean="0">
+                <a:latin typeface="HY헤드라인M" panose="02030600000101010101" pitchFamily="18" charset="-127"/>
+                <a:ea typeface="HY헤드라인M" panose="02030600000101010101" pitchFamily="18" charset="-127"/>
+              </a:rPr>
+              <a:t>토요일 오전 강력히 선호</a:t>
+            </a:r>
+            <a:r>
+              <a:rPr lang="en-US" altLang="ko-KR" sz="2000" dirty="0" smtClean="0">
+                <a:latin typeface="HY헤드라인M" panose="02030600000101010101" pitchFamily="18" charset="-127"/>
+                <a:ea typeface="HY헤드라인M" panose="02030600000101010101" pitchFamily="18" charset="-127"/>
+              </a:rPr>
+              <a:t>, </a:t>
+            </a:r>
+            <a:r>
+              <a:rPr lang="ko-KR" altLang="en-US" sz="2000" dirty="0" smtClean="0">
+                <a:latin typeface="HY헤드라인M" panose="02030600000101010101" pitchFamily="18" charset="-127"/>
+                <a:ea typeface="HY헤드라인M" panose="02030600000101010101" pitchFamily="18" charset="-127"/>
+              </a:rPr>
+              <a:t>오후에는 각자 할 일을 해야 하니깐</a:t>
+            </a:r>
+            <a:r>
+              <a:rPr lang="en-US" altLang="ko-KR" sz="2000" dirty="0" smtClean="0">
+                <a:latin typeface="HY헤드라인M" panose="02030600000101010101" pitchFamily="18" charset="-127"/>
+                <a:ea typeface="HY헤드라인M" panose="02030600000101010101" pitchFamily="18" charset="-127"/>
+              </a:rPr>
+              <a:t>! </a:t>
+            </a:r>
+            <a:r>
+              <a:rPr lang="ko-KR" altLang="en-US" sz="2000" dirty="0" smtClean="0">
+                <a:latin typeface="HY헤드라인M" panose="02030600000101010101" pitchFamily="18" charset="-127"/>
+                <a:ea typeface="HY헤드라인M" panose="02030600000101010101" pitchFamily="18" charset="-127"/>
+              </a:rPr>
+              <a:t>기간은 약 </a:t>
+            </a:r>
+            <a:r>
+              <a:rPr lang="en-US" altLang="ko-KR" sz="2000" dirty="0" smtClean="0">
+                <a:latin typeface="HY헤드라인M" panose="02030600000101010101" pitchFamily="18" charset="-127"/>
+                <a:ea typeface="HY헤드라인M" panose="02030600000101010101" pitchFamily="18" charset="-127"/>
+              </a:rPr>
+              <a:t>2</a:t>
+            </a:r>
+            <a:r>
+              <a:rPr lang="ko-KR" altLang="en-US" sz="2000" dirty="0" smtClean="0">
+                <a:latin typeface="HY헤드라인M" panose="02030600000101010101" pitchFamily="18" charset="-127"/>
+                <a:ea typeface="HY헤드라인M" panose="02030600000101010101" pitchFamily="18" charset="-127"/>
+              </a:rPr>
+              <a:t>달</a:t>
+            </a:r>
+            <a:r>
+              <a:rPr lang="en-US" altLang="ko-KR" sz="2000" dirty="0" smtClean="0">
+                <a:latin typeface="HY헤드라인M" panose="02030600000101010101" pitchFamily="18" charset="-127"/>
+                <a:ea typeface="HY헤드라인M" panose="02030600000101010101" pitchFamily="18" charset="-127"/>
+              </a:rPr>
+              <a:t>~</a:t>
+            </a:r>
+          </a:p>
+          <a:p>
+            <a:endParaRPr lang="en-US" altLang="ko-KR" sz="2000" dirty="0">
+              <a:latin typeface="HY헤드라인M" panose="02030600000101010101" pitchFamily="18" charset="-127"/>
+              <a:ea typeface="HY헤드라인M" panose="02030600000101010101" pitchFamily="18" charset="-127"/>
+            </a:endParaRPr>
+          </a:p>
+          <a:p>
+            <a:r>
+              <a:rPr lang="en-US" altLang="ko-KR" sz="2000" dirty="0" smtClean="0">
+                <a:latin typeface="HY헤드라인M" panose="02030600000101010101" pitchFamily="18" charset="-127"/>
+                <a:ea typeface="HY헤드라인M" panose="02030600000101010101" pitchFamily="18" charset="-127"/>
+              </a:rPr>
+              <a:t>Q: </a:t>
+            </a:r>
+            <a:r>
+              <a:rPr lang="ko-KR" altLang="en-US" sz="2000" dirty="0" err="1" smtClean="0">
+                <a:latin typeface="HY헤드라인M" panose="02030600000101010101" pitchFamily="18" charset="-127"/>
+                <a:ea typeface="HY헤드라인M" panose="02030600000101010101" pitchFamily="18" charset="-127"/>
+              </a:rPr>
+              <a:t>스터디</a:t>
+            </a:r>
+            <a:r>
+              <a:rPr lang="ko-KR" altLang="en-US" sz="2000" dirty="0" smtClean="0">
+                <a:latin typeface="HY헤드라인M" panose="02030600000101010101" pitchFamily="18" charset="-127"/>
+                <a:ea typeface="HY헤드라인M" panose="02030600000101010101" pitchFamily="18" charset="-127"/>
+              </a:rPr>
+              <a:t> 하는 </a:t>
+            </a:r>
+            <a:r>
+              <a:rPr lang="ko-KR" altLang="en-US" sz="2000" dirty="0" smtClean="0">
+                <a:solidFill>
+                  <a:srgbClr val="C00000"/>
+                </a:solidFill>
+                <a:latin typeface="HY헤드라인M" panose="02030600000101010101" pitchFamily="18" charset="-127"/>
+                <a:ea typeface="HY헤드라인M" panose="02030600000101010101" pitchFamily="18" charset="-127"/>
+              </a:rPr>
+              <a:t>목적</a:t>
+            </a:r>
+            <a:r>
+              <a:rPr lang="ko-KR" altLang="en-US" sz="2000" dirty="0" smtClean="0">
+                <a:latin typeface="HY헤드라인M" panose="02030600000101010101" pitchFamily="18" charset="-127"/>
+                <a:ea typeface="HY헤드라인M" panose="02030600000101010101" pitchFamily="18" charset="-127"/>
+              </a:rPr>
+              <a:t>이 뭐냐</a:t>
+            </a:r>
+            <a:r>
+              <a:rPr lang="en-US" altLang="ko-KR" sz="2000" dirty="0" smtClean="0">
+                <a:latin typeface="HY헤드라인M" panose="02030600000101010101" pitchFamily="18" charset="-127"/>
+                <a:ea typeface="HY헤드라인M" panose="02030600000101010101" pitchFamily="18" charset="-127"/>
+              </a:rPr>
+              <a:t>?</a:t>
+            </a:r>
+          </a:p>
+          <a:p>
+            <a:r>
+              <a:rPr lang="en-US" altLang="ko-KR" sz="2000" dirty="0" smtClean="0">
+                <a:latin typeface="HY헤드라인M" panose="02030600000101010101" pitchFamily="18" charset="-127"/>
+                <a:ea typeface="HY헤드라인M" panose="02030600000101010101" pitchFamily="18" charset="-127"/>
+              </a:rPr>
+              <a:t>A: </a:t>
+            </a:r>
+            <a:r>
+              <a:rPr lang="ko-KR" altLang="en-US" sz="2000" dirty="0" smtClean="0">
+                <a:latin typeface="HY헤드라인M" panose="02030600000101010101" pitchFamily="18" charset="-127"/>
+                <a:ea typeface="HY헤드라인M" panose="02030600000101010101" pitchFamily="18" charset="-127"/>
+              </a:rPr>
+              <a:t>이 </a:t>
+            </a:r>
+            <a:r>
+              <a:rPr lang="ko-KR" altLang="en-US" sz="2000" dirty="0" err="1" smtClean="0">
+                <a:latin typeface="HY헤드라인M" panose="02030600000101010101" pitchFamily="18" charset="-127"/>
+                <a:ea typeface="HY헤드라인M" panose="02030600000101010101" pitchFamily="18" charset="-127"/>
+              </a:rPr>
+              <a:t>스터디를</a:t>
+            </a:r>
+            <a:r>
+              <a:rPr lang="ko-KR" altLang="en-US" sz="2000" dirty="0" smtClean="0">
+                <a:latin typeface="HY헤드라인M" panose="02030600000101010101" pitchFamily="18" charset="-127"/>
+                <a:ea typeface="HY헤드라인M" panose="02030600000101010101" pitchFamily="18" charset="-127"/>
+              </a:rPr>
+              <a:t> 발판으로 더 좋은 </a:t>
+            </a:r>
+            <a:r>
+              <a:rPr lang="ko-KR" altLang="en-US" sz="2000" dirty="0" err="1" smtClean="0">
+                <a:latin typeface="HY헤드라인M" panose="02030600000101010101" pitchFamily="18" charset="-127"/>
+                <a:ea typeface="HY헤드라인M" panose="02030600000101010101" pitchFamily="18" charset="-127"/>
+              </a:rPr>
+              <a:t>스터디에</a:t>
+            </a:r>
+            <a:r>
+              <a:rPr lang="ko-KR" altLang="en-US" sz="2000" dirty="0" smtClean="0">
+                <a:latin typeface="HY헤드라인M" panose="02030600000101010101" pitchFamily="18" charset="-127"/>
+                <a:ea typeface="HY헤드라인M" panose="02030600000101010101" pitchFamily="18" charset="-127"/>
+              </a:rPr>
+              <a:t> 참가하기 위해서</a:t>
+            </a:r>
+            <a:r>
+              <a:rPr lang="en-US" altLang="ko-KR" sz="2000" dirty="0" smtClean="0">
+                <a:latin typeface="HY헤드라인M" panose="02030600000101010101" pitchFamily="18" charset="-127"/>
+                <a:ea typeface="HY헤드라인M" panose="02030600000101010101" pitchFamily="18" charset="-127"/>
+              </a:rPr>
+              <a:t>~!!!</a:t>
+            </a:r>
+            <a:endParaRPr lang="en-US" altLang="ko-KR" dirty="0">
+              <a:latin typeface="HY헤드라인M" panose="02030600000101010101" pitchFamily="18" charset="-127"/>
+              <a:ea typeface="HY헤드라인M" panose="02030600000101010101" pitchFamily="18" charset="-127"/>
+            </a:endParaRPr>
+          </a:p>
+        </p:txBody>
+      </p:sp>
+    </p:spTree>
+    <p:extLst>
+      <p:ext uri="{BB962C8B-B14F-4D97-AF65-F5344CB8AC3E}">
+        <p14:creationId xmlns:p14="http://schemas.microsoft.com/office/powerpoint/2010/main" val="3869704170"/>
+      </p:ext>
+    </p:extLst>
+  </p:cSld>
+  <p:clrMapOvr>
+    <a:masterClrMapping/>
+  </p:clrMapOvr>
+  <mc:AlternateContent xmlns:mc="http://schemas.openxmlformats.org/markup-compatibility/2006" xmlns:p14="http://schemas.microsoft.com/office/powerpoint/2010/main">
+    <mc:Choice Requires="p14">
+      <p:transition spd="slow" p14:dur="1300">
+        <p14:pan/>
+      </p:transition>
+    </mc:Choice>
+    <mc:Fallback xmlns="">
+      <p:transition spd="slow">
+        <p:fade/>
+      </p:transition>
+    </mc:Fallback>
+  </mc:AlternateContent>
+  <p:timing>
+    <p:tnLst>
+      <p:par>
+        <p:cTn id="1" dur="indefinite" restart="never" nodeType="tmRoot"/>
+      </p:par>
+    </p:tnLst>
+  </p:timing>
+</p:sld>
+</file>
+
+<file path=ppt/slides/slide20.xml><?xml version="1.0" encoding="utf-8"?>
 <p:sld xmlns:a="http://schemas.openxmlformats.org/drawingml/2006/main" xmlns:r="http://schemas.openxmlformats.org/officeDocument/2006/relationships" xmlns:p="http://schemas.openxmlformats.org/presentationml/2006/main">
   <p:cSld>
     <p:spTree>
@@ -8619,7 +9326,7 @@
               <a:t> 먹을 수 있도록 적당한 때를 기다려라</a:t>
             </a:r>
             <a:r>
-              <a:rPr lang="en-US" altLang="ko-KR" sz="2000" dirty="0">
+              <a:rPr lang="en-US" altLang="ko-KR" sz="2000" dirty="0" smtClean="0">
                 <a:solidFill>
                   <a:srgbClr val="0070C0"/>
                 </a:solidFill>
@@ -9118,674 +9825,7 @@
 </p:sld>
 </file>
 
-<file path=ppt/slides/slide2.xml><?xml version="1.0" encoding="utf-8"?>
-<p:sld xmlns:a="http://schemas.openxmlformats.org/drawingml/2006/main" xmlns:r="http://schemas.openxmlformats.org/officeDocument/2006/relationships" xmlns:p="http://schemas.openxmlformats.org/presentationml/2006/main">
-  <p:cSld>
-    <p:spTree>
-      <p:nvGrpSpPr>
-        <p:cNvPr id="1" name=""/>
-        <p:cNvGrpSpPr/>
-        <p:nvPr/>
-      </p:nvGrpSpPr>
-      <p:grpSpPr>
-        <a:xfrm>
-          <a:off x="0" y="0"/>
-          <a:ext cx="0" cy="0"/>
-          <a:chOff x="0" y="0"/>
-          <a:chExt cx="0" cy="0"/>
-        </a:xfrm>
-      </p:grpSpPr>
-      <p:sp>
-        <p:nvSpPr>
-          <p:cNvPr id="3" name="TextBox 2"/>
-          <p:cNvSpPr txBox="1"/>
-          <p:nvPr/>
-        </p:nvSpPr>
-        <p:spPr>
-          <a:xfrm>
-            <a:off x="477672" y="600502"/>
-            <a:ext cx="10686197" cy="4616648"/>
-          </a:xfrm>
-          <a:prstGeom prst="rect">
-            <a:avLst/>
-          </a:prstGeom>
-          <a:noFill/>
-        </p:spPr>
-        <p:txBody>
-          <a:bodyPr wrap="square" rtlCol="0">
-            <a:spAutoFit/>
-          </a:bodyPr>
-          <a:lstStyle/>
-          <a:p>
-            <a:r>
-              <a:rPr lang="en-US" altLang="ko-KR" sz="3600" dirty="0" smtClean="0">
-                <a:solidFill>
-                  <a:srgbClr val="00B0F0"/>
-                </a:solidFill>
-                <a:latin typeface="HY헤드라인M" panose="02030600000101010101" pitchFamily="18" charset="-127"/>
-                <a:ea typeface="HY헤드라인M" panose="02030600000101010101" pitchFamily="18" charset="-127"/>
-              </a:rPr>
-              <a:t>F</a:t>
-            </a:r>
-            <a:r>
-              <a:rPr lang="en-US" altLang="ko-KR" sz="2400" dirty="0" smtClean="0">
-                <a:latin typeface="HY헤드라인M" panose="02030600000101010101" pitchFamily="18" charset="-127"/>
-                <a:ea typeface="HY헤드라인M" panose="02030600000101010101" pitchFamily="18" charset="-127"/>
-              </a:rPr>
-              <a:t>requently </a:t>
-            </a:r>
-            <a:r>
-              <a:rPr lang="en-US" altLang="ko-KR" sz="3600" dirty="0" smtClean="0">
-                <a:solidFill>
-                  <a:srgbClr val="00B050"/>
-                </a:solidFill>
-                <a:latin typeface="HY헤드라인M" panose="02030600000101010101" pitchFamily="18" charset="-127"/>
-                <a:ea typeface="HY헤드라인M" panose="02030600000101010101" pitchFamily="18" charset="-127"/>
-              </a:rPr>
-              <a:t>A</a:t>
-            </a:r>
-            <a:r>
-              <a:rPr lang="en-US" altLang="ko-KR" sz="2400" dirty="0" smtClean="0">
-                <a:latin typeface="HY헤드라인M" panose="02030600000101010101" pitchFamily="18" charset="-127"/>
-                <a:ea typeface="HY헤드라인M" panose="02030600000101010101" pitchFamily="18" charset="-127"/>
-              </a:rPr>
-              <a:t>sked </a:t>
-            </a:r>
-            <a:r>
-              <a:rPr lang="en-US" altLang="ko-KR" sz="3600" dirty="0" smtClean="0">
-                <a:solidFill>
-                  <a:srgbClr val="FFC000"/>
-                </a:solidFill>
-                <a:latin typeface="HY헤드라인M" panose="02030600000101010101" pitchFamily="18" charset="-127"/>
-                <a:ea typeface="HY헤드라인M" panose="02030600000101010101" pitchFamily="18" charset="-127"/>
-              </a:rPr>
-              <a:t>Q</a:t>
-            </a:r>
-            <a:r>
-              <a:rPr lang="en-US" altLang="ko-KR" sz="2400" dirty="0" smtClean="0">
-                <a:latin typeface="HY헤드라인M" panose="02030600000101010101" pitchFamily="18" charset="-127"/>
-                <a:ea typeface="HY헤드라인M" panose="02030600000101010101" pitchFamily="18" charset="-127"/>
-              </a:rPr>
-              <a:t>uestions</a:t>
-            </a:r>
-          </a:p>
-          <a:p>
-            <a:endParaRPr lang="en-US" altLang="ko-KR" dirty="0">
-              <a:latin typeface="HY헤드라인M" panose="02030600000101010101" pitchFamily="18" charset="-127"/>
-              <a:ea typeface="HY헤드라인M" panose="02030600000101010101" pitchFamily="18" charset="-127"/>
-            </a:endParaRPr>
-          </a:p>
-          <a:p>
-            <a:endParaRPr lang="en-US" altLang="ko-KR" sz="2000" dirty="0" smtClean="0">
-              <a:latin typeface="HY헤드라인M" panose="02030600000101010101" pitchFamily="18" charset="-127"/>
-              <a:ea typeface="HY헤드라인M" panose="02030600000101010101" pitchFamily="18" charset="-127"/>
-            </a:endParaRPr>
-          </a:p>
-          <a:p>
-            <a:r>
-              <a:rPr lang="en-US" altLang="ko-KR" sz="2000" dirty="0" smtClean="0">
-                <a:latin typeface="HY헤드라인M" panose="02030600000101010101" pitchFamily="18" charset="-127"/>
-                <a:ea typeface="HY헤드라인M" panose="02030600000101010101" pitchFamily="18" charset="-127"/>
-              </a:rPr>
-              <a:t>Q: </a:t>
-            </a:r>
-            <a:r>
-              <a:rPr lang="ko-KR" altLang="en-US" sz="2000" dirty="0" err="1" smtClean="0">
-                <a:latin typeface="HY헤드라인M" panose="02030600000101010101" pitchFamily="18" charset="-127"/>
-                <a:ea typeface="HY헤드라인M" panose="02030600000101010101" pitchFamily="18" charset="-127"/>
-              </a:rPr>
-              <a:t>웰컴</a:t>
-            </a:r>
-            <a:r>
-              <a:rPr lang="ko-KR" altLang="en-US" sz="2000" dirty="0" smtClean="0">
-                <a:latin typeface="HY헤드라인M" panose="02030600000101010101" pitchFamily="18" charset="-127"/>
-                <a:ea typeface="HY헤드라인M" panose="02030600000101010101" pitchFamily="18" charset="-127"/>
-              </a:rPr>
-              <a:t> </a:t>
-            </a:r>
-            <a:r>
-              <a:rPr lang="ko-KR" altLang="en-US" sz="2000" dirty="0" smtClean="0">
-                <a:solidFill>
-                  <a:srgbClr val="FFC000"/>
-                </a:solidFill>
-                <a:latin typeface="HY헤드라인M" panose="02030600000101010101" pitchFamily="18" charset="-127"/>
-                <a:ea typeface="HY헤드라인M" panose="02030600000101010101" pitchFamily="18" charset="-127"/>
-              </a:rPr>
-              <a:t>대상</a:t>
-            </a:r>
-            <a:r>
-              <a:rPr lang="ko-KR" altLang="en-US" sz="2000" dirty="0" smtClean="0">
-                <a:latin typeface="HY헤드라인M" panose="02030600000101010101" pitchFamily="18" charset="-127"/>
-                <a:ea typeface="HY헤드라인M" panose="02030600000101010101" pitchFamily="18" charset="-127"/>
-              </a:rPr>
-              <a:t>은 누구인가요</a:t>
-            </a:r>
-            <a:r>
-              <a:rPr lang="en-US" altLang="ko-KR" sz="2000" dirty="0" smtClean="0">
-                <a:latin typeface="HY헤드라인M" panose="02030600000101010101" pitchFamily="18" charset="-127"/>
-                <a:ea typeface="HY헤드라인M" panose="02030600000101010101" pitchFamily="18" charset="-127"/>
-              </a:rPr>
-              <a:t>?</a:t>
-            </a:r>
-          </a:p>
-          <a:p>
-            <a:r>
-              <a:rPr lang="en-US" altLang="ko-KR" sz="2000" dirty="0" smtClean="0">
-                <a:latin typeface="HY헤드라인M" panose="02030600000101010101" pitchFamily="18" charset="-127"/>
-                <a:ea typeface="HY헤드라인M" panose="02030600000101010101" pitchFamily="18" charset="-127"/>
-              </a:rPr>
-              <a:t>A: </a:t>
-            </a:r>
-            <a:r>
-              <a:rPr lang="ko-KR" altLang="en-US" sz="2000" dirty="0" smtClean="0">
-                <a:latin typeface="HY헤드라인M" panose="02030600000101010101" pitchFamily="18" charset="-127"/>
-                <a:ea typeface="HY헤드라인M" panose="02030600000101010101" pitchFamily="18" charset="-127"/>
-              </a:rPr>
-              <a:t>잠이 없어서</a:t>
-            </a:r>
-            <a:r>
-              <a:rPr lang="en-US" altLang="ko-KR" sz="2000" dirty="0" smtClean="0">
-                <a:latin typeface="HY헤드라인M" panose="02030600000101010101" pitchFamily="18" charset="-127"/>
-                <a:ea typeface="HY헤드라인M" panose="02030600000101010101" pitchFamily="18" charset="-127"/>
-              </a:rPr>
-              <a:t>, </a:t>
-            </a:r>
-            <a:r>
-              <a:rPr lang="ko-KR" altLang="en-US" sz="2000" dirty="0" smtClean="0">
-                <a:latin typeface="HY헤드라인M" panose="02030600000101010101" pitchFamily="18" charset="-127"/>
-                <a:ea typeface="HY헤드라인M" panose="02030600000101010101" pitchFamily="18" charset="-127"/>
-              </a:rPr>
-              <a:t>토요일 아침에 </a:t>
-            </a:r>
-            <a:r>
-              <a:rPr lang="ko-KR" altLang="en-US" sz="2000" dirty="0" err="1" smtClean="0">
-                <a:latin typeface="HY헤드라인M" panose="02030600000101010101" pitchFamily="18" charset="-127"/>
-                <a:ea typeface="HY헤드라인M" panose="02030600000101010101" pitchFamily="18" charset="-127"/>
-              </a:rPr>
-              <a:t>딥러닝이나</a:t>
-            </a:r>
-            <a:r>
-              <a:rPr lang="ko-KR" altLang="en-US" sz="2000" dirty="0" smtClean="0">
-                <a:latin typeface="HY헤드라인M" panose="02030600000101010101" pitchFamily="18" charset="-127"/>
-                <a:ea typeface="HY헤드라인M" panose="02030600000101010101" pitchFamily="18" charset="-127"/>
-              </a:rPr>
-              <a:t> 공부해 봐야 </a:t>
-            </a:r>
-            <a:r>
-              <a:rPr lang="ko-KR" altLang="en-US" sz="2000" dirty="0" err="1" smtClean="0">
-                <a:latin typeface="HY헤드라인M" panose="02030600000101010101" pitchFamily="18" charset="-127"/>
-                <a:ea typeface="HY헤드라인M" panose="02030600000101010101" pitchFamily="18" charset="-127"/>
-              </a:rPr>
-              <a:t>겠다는</a:t>
-            </a:r>
-            <a:r>
-              <a:rPr lang="ko-KR" altLang="en-US" sz="2000" dirty="0" smtClean="0">
-                <a:latin typeface="HY헤드라인M" panose="02030600000101010101" pitchFamily="18" charset="-127"/>
-                <a:ea typeface="HY헤드라인M" panose="02030600000101010101" pitchFamily="18" charset="-127"/>
-              </a:rPr>
-              <a:t> 그 누구든</a:t>
-            </a:r>
-            <a:r>
-              <a:rPr lang="en-US" altLang="ko-KR" sz="2000" dirty="0" smtClean="0">
-                <a:latin typeface="HY헤드라인M" panose="02030600000101010101" pitchFamily="18" charset="-127"/>
-                <a:ea typeface="HY헤드라인M" panose="02030600000101010101" pitchFamily="18" charset="-127"/>
-              </a:rPr>
-              <a:t>~</a:t>
-            </a:r>
-          </a:p>
-          <a:p>
-            <a:endParaRPr lang="en-US" altLang="ko-KR" sz="2000" dirty="0">
-              <a:latin typeface="HY헤드라인M" panose="02030600000101010101" pitchFamily="18" charset="-127"/>
-              <a:ea typeface="HY헤드라인M" panose="02030600000101010101" pitchFamily="18" charset="-127"/>
-            </a:endParaRPr>
-          </a:p>
-          <a:p>
-            <a:r>
-              <a:rPr lang="en-US" altLang="ko-KR" sz="2000" dirty="0" smtClean="0">
-                <a:latin typeface="HY헤드라인M" panose="02030600000101010101" pitchFamily="18" charset="-127"/>
-                <a:ea typeface="HY헤드라인M" panose="02030600000101010101" pitchFamily="18" charset="-127"/>
-              </a:rPr>
-              <a:t>Q: </a:t>
-            </a:r>
-            <a:r>
-              <a:rPr lang="ko-KR" altLang="en-US" sz="2000" dirty="0" err="1" smtClean="0">
-                <a:latin typeface="HY헤드라인M" panose="02030600000101010101" pitchFamily="18" charset="-127"/>
-                <a:ea typeface="HY헤드라인M" panose="02030600000101010101" pitchFamily="18" charset="-127"/>
-              </a:rPr>
-              <a:t>스터디에서는</a:t>
-            </a:r>
-            <a:r>
-              <a:rPr lang="ko-KR" altLang="en-US" sz="2000" dirty="0" smtClean="0">
-                <a:latin typeface="HY헤드라인M" panose="02030600000101010101" pitchFamily="18" charset="-127"/>
-                <a:ea typeface="HY헤드라인M" panose="02030600000101010101" pitchFamily="18" charset="-127"/>
-              </a:rPr>
-              <a:t> </a:t>
-            </a:r>
-            <a:r>
-              <a:rPr lang="ko-KR" altLang="en-US" sz="2000" dirty="0" smtClean="0">
-                <a:solidFill>
-                  <a:srgbClr val="00B050"/>
-                </a:solidFill>
-                <a:latin typeface="HY헤드라인M" panose="02030600000101010101" pitchFamily="18" charset="-127"/>
-                <a:ea typeface="HY헤드라인M" panose="02030600000101010101" pitchFamily="18" charset="-127"/>
-              </a:rPr>
-              <a:t>뭘</a:t>
-            </a:r>
-            <a:r>
-              <a:rPr lang="ko-KR" altLang="en-US" sz="2000" dirty="0" smtClean="0">
-                <a:latin typeface="HY헤드라인M" panose="02030600000101010101" pitchFamily="18" charset="-127"/>
-                <a:ea typeface="HY헤드라인M" panose="02030600000101010101" pitchFamily="18" charset="-127"/>
-              </a:rPr>
-              <a:t> 하냐</a:t>
-            </a:r>
-            <a:r>
-              <a:rPr lang="en-US" altLang="ko-KR" sz="2000" dirty="0" smtClean="0">
-                <a:latin typeface="HY헤드라인M" panose="02030600000101010101" pitchFamily="18" charset="-127"/>
-                <a:ea typeface="HY헤드라인M" panose="02030600000101010101" pitchFamily="18" charset="-127"/>
-              </a:rPr>
-              <a:t>?</a:t>
-            </a:r>
-          </a:p>
-          <a:p>
-            <a:r>
-              <a:rPr lang="en-US" altLang="ko-KR" sz="2000" dirty="0" smtClean="0">
-                <a:latin typeface="HY헤드라인M" panose="02030600000101010101" pitchFamily="18" charset="-127"/>
-                <a:ea typeface="HY헤드라인M" panose="02030600000101010101" pitchFamily="18" charset="-127"/>
-              </a:rPr>
-              <a:t>A: </a:t>
-            </a:r>
-            <a:r>
-              <a:rPr lang="ko-KR" altLang="en-US" sz="2000" dirty="0" err="1" smtClean="0">
-                <a:latin typeface="HY헤드라인M" panose="02030600000101010101" pitchFamily="18" charset="-127"/>
-                <a:ea typeface="HY헤드라인M" panose="02030600000101010101" pitchFamily="18" charset="-127"/>
-              </a:rPr>
-              <a:t>잼있게</a:t>
-            </a:r>
-            <a:r>
-              <a:rPr lang="ko-KR" altLang="en-US" sz="2000" dirty="0" smtClean="0">
-                <a:latin typeface="HY헤드라인M" panose="02030600000101010101" pitchFamily="18" charset="-127"/>
-                <a:ea typeface="HY헤드라인M" panose="02030600000101010101" pitchFamily="18" charset="-127"/>
-              </a:rPr>
-              <a:t> </a:t>
-            </a:r>
-            <a:r>
-              <a:rPr lang="en-US" altLang="ko-KR" sz="2000" dirty="0" smtClean="0">
-                <a:latin typeface="HY헤드라인M" panose="02030600000101010101" pitchFamily="18" charset="-127"/>
-                <a:ea typeface="HY헤드라인M" panose="02030600000101010101" pitchFamily="18" charset="-127"/>
-              </a:rPr>
-              <a:t>&lt;&lt;</a:t>
-            </a:r>
-            <a:r>
-              <a:rPr lang="ko-KR" altLang="en-US" sz="2000" dirty="0" smtClean="0">
-                <a:latin typeface="HY헤드라인M" panose="02030600000101010101" pitchFamily="18" charset="-127"/>
-                <a:ea typeface="HY헤드라인M" panose="02030600000101010101" pitchFamily="18" charset="-127"/>
-              </a:rPr>
-              <a:t>블록과 함께하는 </a:t>
-            </a:r>
-            <a:r>
-              <a:rPr lang="ko-KR" altLang="en-US" sz="2000" dirty="0" err="1" smtClean="0">
-                <a:latin typeface="HY헤드라인M" panose="02030600000101010101" pitchFamily="18" charset="-127"/>
-                <a:ea typeface="HY헤드라인M" panose="02030600000101010101" pitchFamily="18" charset="-127"/>
-              </a:rPr>
-              <a:t>파이썬</a:t>
-            </a:r>
-            <a:r>
-              <a:rPr lang="ko-KR" altLang="en-US" sz="2000" dirty="0" smtClean="0">
-                <a:latin typeface="HY헤드라인M" panose="02030600000101010101" pitchFamily="18" charset="-127"/>
-                <a:ea typeface="HY헤드라인M" panose="02030600000101010101" pitchFamily="18" charset="-127"/>
-              </a:rPr>
-              <a:t> </a:t>
-            </a:r>
-            <a:r>
-              <a:rPr lang="ko-KR" altLang="en-US" sz="2000" dirty="0" err="1" smtClean="0">
-                <a:latin typeface="HY헤드라인M" panose="02030600000101010101" pitchFamily="18" charset="-127"/>
-                <a:ea typeface="HY헤드라인M" panose="02030600000101010101" pitchFamily="18" charset="-127"/>
-              </a:rPr>
-              <a:t>딥러닝</a:t>
-            </a:r>
-            <a:r>
-              <a:rPr lang="ko-KR" altLang="en-US" sz="2000" dirty="0" smtClean="0">
-                <a:latin typeface="HY헤드라인M" panose="02030600000101010101" pitchFamily="18" charset="-127"/>
-                <a:ea typeface="HY헤드라인M" panose="02030600000101010101" pitchFamily="18" charset="-127"/>
-              </a:rPr>
-              <a:t> </a:t>
-            </a:r>
-            <a:r>
-              <a:rPr lang="ko-KR" altLang="en-US" sz="2000" dirty="0" err="1" smtClean="0">
-                <a:latin typeface="HY헤드라인M" panose="02030600000101010101" pitchFamily="18" charset="-127"/>
-                <a:ea typeface="HY헤드라인M" panose="02030600000101010101" pitchFamily="18" charset="-127"/>
-              </a:rPr>
-              <a:t>케라스</a:t>
-            </a:r>
-            <a:r>
-              <a:rPr lang="en-US" altLang="ko-KR" sz="2000" dirty="0" smtClean="0">
-                <a:latin typeface="HY헤드라인M" panose="02030600000101010101" pitchFamily="18" charset="-127"/>
-                <a:ea typeface="HY헤드라인M" panose="02030600000101010101" pitchFamily="18" charset="-127"/>
-              </a:rPr>
-              <a:t>&gt;&gt; </a:t>
-            </a:r>
-            <a:r>
-              <a:rPr lang="ko-KR" altLang="en-US" sz="2000" dirty="0" smtClean="0">
-                <a:latin typeface="HY헤드라인M" panose="02030600000101010101" pitchFamily="18" charset="-127"/>
-                <a:ea typeface="HY헤드라인M" panose="02030600000101010101" pitchFamily="18" charset="-127"/>
-              </a:rPr>
-              <a:t>책을 </a:t>
-            </a:r>
-            <a:r>
-              <a:rPr lang="ko-KR" altLang="en-US" sz="2000" dirty="0">
-                <a:latin typeface="HY헤드라인M" panose="02030600000101010101" pitchFamily="18" charset="-127"/>
-                <a:ea typeface="HY헤드라인M" panose="02030600000101010101" pitchFamily="18" charset="-127"/>
-              </a:rPr>
-              <a:t>훑</a:t>
-            </a:r>
-            <a:r>
-              <a:rPr lang="ko-KR" altLang="en-US" sz="2000" dirty="0" smtClean="0">
-                <a:latin typeface="HY헤드라인M" panose="02030600000101010101" pitchFamily="18" charset="-127"/>
-                <a:ea typeface="HY헤드라인M" panose="02030600000101010101" pitchFamily="18" charset="-127"/>
-              </a:rPr>
-              <a:t>어본다</a:t>
-            </a:r>
-            <a:r>
-              <a:rPr lang="en-US" altLang="ko-KR" sz="2000" dirty="0" smtClean="0">
-                <a:latin typeface="HY헤드라인M" panose="02030600000101010101" pitchFamily="18" charset="-127"/>
-                <a:ea typeface="HY헤드라인M" panose="02030600000101010101" pitchFamily="18" charset="-127"/>
-              </a:rPr>
-              <a:t>? </a:t>
-            </a:r>
-            <a:r>
-              <a:rPr lang="ko-KR" altLang="en-US" sz="2000" dirty="0" smtClean="0">
-                <a:latin typeface="HY헤드라인M" panose="02030600000101010101" pitchFamily="18" charset="-127"/>
-                <a:ea typeface="HY헤드라인M" panose="02030600000101010101" pitchFamily="18" charset="-127"/>
-              </a:rPr>
-              <a:t>실습도 함께</a:t>
-            </a:r>
-            <a:r>
-              <a:rPr lang="en-US" altLang="ko-KR" sz="2000" dirty="0" smtClean="0">
-                <a:latin typeface="HY헤드라인M" panose="02030600000101010101" pitchFamily="18" charset="-127"/>
-                <a:ea typeface="HY헤드라인M" panose="02030600000101010101" pitchFamily="18" charset="-127"/>
-              </a:rPr>
-              <a:t>~</a:t>
-            </a:r>
-            <a:endParaRPr lang="en-US" altLang="ko-KR" sz="2000" dirty="0" smtClean="0">
-              <a:latin typeface="HY헤드라인M" panose="02030600000101010101" pitchFamily="18" charset="-127"/>
-              <a:ea typeface="HY헤드라인M" panose="02030600000101010101" pitchFamily="18" charset="-127"/>
-            </a:endParaRPr>
-          </a:p>
-          <a:p>
-            <a:r>
-              <a:rPr lang="en-US" altLang="ko-KR" sz="2000" dirty="0" smtClean="0">
-                <a:latin typeface="HY헤드라인M" panose="02030600000101010101" pitchFamily="18" charset="-127"/>
-                <a:ea typeface="HY헤드라인M" panose="02030600000101010101" pitchFamily="18" charset="-127"/>
-              </a:rPr>
-              <a:t> </a:t>
-            </a:r>
-            <a:endParaRPr lang="en-US" altLang="ko-KR" sz="2000" dirty="0">
-              <a:latin typeface="HY헤드라인M" panose="02030600000101010101" pitchFamily="18" charset="-127"/>
-              <a:ea typeface="HY헤드라인M" panose="02030600000101010101" pitchFamily="18" charset="-127"/>
-            </a:endParaRPr>
-          </a:p>
-          <a:p>
-            <a:r>
-              <a:rPr lang="en-US" altLang="ko-KR" sz="2000" dirty="0" smtClean="0">
-                <a:latin typeface="HY헤드라인M" panose="02030600000101010101" pitchFamily="18" charset="-127"/>
-                <a:ea typeface="HY헤드라인M" panose="02030600000101010101" pitchFamily="18" charset="-127"/>
-              </a:rPr>
-              <a:t>Q: </a:t>
-            </a:r>
-            <a:r>
-              <a:rPr lang="ko-KR" altLang="en-US" sz="2000" dirty="0" smtClean="0">
-                <a:latin typeface="HY헤드라인M" panose="02030600000101010101" pitchFamily="18" charset="-127"/>
-                <a:ea typeface="HY헤드라인M" panose="02030600000101010101" pitchFamily="18" charset="-127"/>
-              </a:rPr>
-              <a:t>시간은 </a:t>
-            </a:r>
-            <a:r>
-              <a:rPr lang="ko-KR" altLang="en-US" sz="2000" dirty="0" smtClean="0">
-                <a:solidFill>
-                  <a:srgbClr val="00B0F0"/>
-                </a:solidFill>
-                <a:latin typeface="HY헤드라인M" panose="02030600000101010101" pitchFamily="18" charset="-127"/>
-                <a:ea typeface="HY헤드라인M" panose="02030600000101010101" pitchFamily="18" charset="-127"/>
-              </a:rPr>
-              <a:t>언제</a:t>
-            </a:r>
-            <a:r>
-              <a:rPr lang="en-US" altLang="ko-KR" sz="2000" dirty="0" smtClean="0">
-                <a:latin typeface="HY헤드라인M" panose="02030600000101010101" pitchFamily="18" charset="-127"/>
-                <a:ea typeface="HY헤드라인M" panose="02030600000101010101" pitchFamily="18" charset="-127"/>
-              </a:rPr>
-              <a:t>? </a:t>
-            </a:r>
-            <a:r>
-              <a:rPr lang="ko-KR" altLang="en-US" sz="2000" dirty="0" smtClean="0">
-                <a:latin typeface="HY헤드라인M" panose="02030600000101010101" pitchFamily="18" charset="-127"/>
-                <a:ea typeface="HY헤드라인M" panose="02030600000101010101" pitchFamily="18" charset="-127"/>
-              </a:rPr>
-              <a:t>기간은 얼마냐</a:t>
-            </a:r>
-            <a:r>
-              <a:rPr lang="en-US" altLang="ko-KR" sz="2000" dirty="0" smtClean="0">
-                <a:latin typeface="HY헤드라인M" panose="02030600000101010101" pitchFamily="18" charset="-127"/>
-                <a:ea typeface="HY헤드라인M" panose="02030600000101010101" pitchFamily="18" charset="-127"/>
-              </a:rPr>
-              <a:t>?</a:t>
-            </a:r>
-          </a:p>
-          <a:p>
-            <a:r>
-              <a:rPr lang="en-US" altLang="ko-KR" sz="2000" dirty="0" smtClean="0">
-                <a:latin typeface="HY헤드라인M" panose="02030600000101010101" pitchFamily="18" charset="-127"/>
-                <a:ea typeface="HY헤드라인M" panose="02030600000101010101" pitchFamily="18" charset="-127"/>
-              </a:rPr>
-              <a:t>A: </a:t>
-            </a:r>
-            <a:r>
-              <a:rPr lang="ko-KR" altLang="en-US" sz="2000" dirty="0" smtClean="0">
-                <a:latin typeface="HY헤드라인M" panose="02030600000101010101" pitchFamily="18" charset="-127"/>
-                <a:ea typeface="HY헤드라인M" panose="02030600000101010101" pitchFamily="18" charset="-127"/>
-              </a:rPr>
-              <a:t>토요일 오전 강력히 선호</a:t>
-            </a:r>
-            <a:r>
-              <a:rPr lang="en-US" altLang="ko-KR" sz="2000" dirty="0" smtClean="0">
-                <a:latin typeface="HY헤드라인M" panose="02030600000101010101" pitchFamily="18" charset="-127"/>
-                <a:ea typeface="HY헤드라인M" panose="02030600000101010101" pitchFamily="18" charset="-127"/>
-              </a:rPr>
-              <a:t>, </a:t>
-            </a:r>
-            <a:r>
-              <a:rPr lang="ko-KR" altLang="en-US" sz="2000" dirty="0" smtClean="0">
-                <a:latin typeface="HY헤드라인M" panose="02030600000101010101" pitchFamily="18" charset="-127"/>
-                <a:ea typeface="HY헤드라인M" panose="02030600000101010101" pitchFamily="18" charset="-127"/>
-              </a:rPr>
-              <a:t>오후에는 각자 할 일을 해야 하니깐</a:t>
-            </a:r>
-            <a:r>
-              <a:rPr lang="en-US" altLang="ko-KR" sz="2000" dirty="0" smtClean="0">
-                <a:latin typeface="HY헤드라인M" panose="02030600000101010101" pitchFamily="18" charset="-127"/>
-                <a:ea typeface="HY헤드라인M" panose="02030600000101010101" pitchFamily="18" charset="-127"/>
-              </a:rPr>
-              <a:t>! </a:t>
-            </a:r>
-            <a:r>
-              <a:rPr lang="ko-KR" altLang="en-US" sz="2000" dirty="0" smtClean="0">
-                <a:latin typeface="HY헤드라인M" panose="02030600000101010101" pitchFamily="18" charset="-127"/>
-                <a:ea typeface="HY헤드라인M" panose="02030600000101010101" pitchFamily="18" charset="-127"/>
-              </a:rPr>
-              <a:t>기간은 </a:t>
-            </a:r>
-            <a:r>
-              <a:rPr lang="ko-KR" altLang="en-US" sz="2000" dirty="0" smtClean="0">
-                <a:latin typeface="HY헤드라인M" panose="02030600000101010101" pitchFamily="18" charset="-127"/>
-                <a:ea typeface="HY헤드라인M" panose="02030600000101010101" pitchFamily="18" charset="-127"/>
-              </a:rPr>
-              <a:t>약 </a:t>
-            </a:r>
-            <a:r>
-              <a:rPr lang="en-US" altLang="ko-KR" sz="2000" dirty="0" smtClean="0">
-                <a:latin typeface="HY헤드라인M" panose="02030600000101010101" pitchFamily="18" charset="-127"/>
-                <a:ea typeface="HY헤드라인M" panose="02030600000101010101" pitchFamily="18" charset="-127"/>
-              </a:rPr>
-              <a:t>2</a:t>
-            </a:r>
-            <a:r>
-              <a:rPr lang="ko-KR" altLang="en-US" sz="2000" dirty="0" smtClean="0">
-                <a:latin typeface="HY헤드라인M" panose="02030600000101010101" pitchFamily="18" charset="-127"/>
-                <a:ea typeface="HY헤드라인M" panose="02030600000101010101" pitchFamily="18" charset="-127"/>
-              </a:rPr>
-              <a:t>달</a:t>
-            </a:r>
-            <a:r>
-              <a:rPr lang="en-US" altLang="ko-KR" sz="2000" dirty="0" smtClean="0">
-                <a:latin typeface="HY헤드라인M" panose="02030600000101010101" pitchFamily="18" charset="-127"/>
-                <a:ea typeface="HY헤드라인M" panose="02030600000101010101" pitchFamily="18" charset="-127"/>
-              </a:rPr>
-              <a:t>~</a:t>
-            </a:r>
-          </a:p>
-          <a:p>
-            <a:endParaRPr lang="en-US" altLang="ko-KR" sz="2000" dirty="0">
-              <a:latin typeface="HY헤드라인M" panose="02030600000101010101" pitchFamily="18" charset="-127"/>
-              <a:ea typeface="HY헤드라인M" panose="02030600000101010101" pitchFamily="18" charset="-127"/>
-            </a:endParaRPr>
-          </a:p>
-          <a:p>
-            <a:r>
-              <a:rPr lang="en-US" altLang="ko-KR" sz="2000" dirty="0" smtClean="0">
-                <a:latin typeface="HY헤드라인M" panose="02030600000101010101" pitchFamily="18" charset="-127"/>
-                <a:ea typeface="HY헤드라인M" panose="02030600000101010101" pitchFamily="18" charset="-127"/>
-              </a:rPr>
-              <a:t>Q: </a:t>
-            </a:r>
-            <a:r>
-              <a:rPr lang="ko-KR" altLang="en-US" sz="2000" dirty="0" err="1" smtClean="0">
-                <a:latin typeface="HY헤드라인M" panose="02030600000101010101" pitchFamily="18" charset="-127"/>
-                <a:ea typeface="HY헤드라인M" panose="02030600000101010101" pitchFamily="18" charset="-127"/>
-              </a:rPr>
-              <a:t>스터디</a:t>
-            </a:r>
-            <a:r>
-              <a:rPr lang="ko-KR" altLang="en-US" sz="2000" dirty="0" smtClean="0">
-                <a:latin typeface="HY헤드라인M" panose="02030600000101010101" pitchFamily="18" charset="-127"/>
-                <a:ea typeface="HY헤드라인M" panose="02030600000101010101" pitchFamily="18" charset="-127"/>
-              </a:rPr>
-              <a:t> 하는 </a:t>
-            </a:r>
-            <a:r>
-              <a:rPr lang="ko-KR" altLang="en-US" sz="2000" dirty="0" smtClean="0">
-                <a:solidFill>
-                  <a:srgbClr val="C00000"/>
-                </a:solidFill>
-                <a:latin typeface="HY헤드라인M" panose="02030600000101010101" pitchFamily="18" charset="-127"/>
-                <a:ea typeface="HY헤드라인M" panose="02030600000101010101" pitchFamily="18" charset="-127"/>
-              </a:rPr>
-              <a:t>목적</a:t>
-            </a:r>
-            <a:r>
-              <a:rPr lang="ko-KR" altLang="en-US" sz="2000" dirty="0" smtClean="0">
-                <a:latin typeface="HY헤드라인M" panose="02030600000101010101" pitchFamily="18" charset="-127"/>
-                <a:ea typeface="HY헤드라인M" panose="02030600000101010101" pitchFamily="18" charset="-127"/>
-              </a:rPr>
-              <a:t>이 뭐냐</a:t>
-            </a:r>
-            <a:r>
-              <a:rPr lang="en-US" altLang="ko-KR" sz="2000" dirty="0" smtClean="0">
-                <a:latin typeface="HY헤드라인M" panose="02030600000101010101" pitchFamily="18" charset="-127"/>
-                <a:ea typeface="HY헤드라인M" panose="02030600000101010101" pitchFamily="18" charset="-127"/>
-              </a:rPr>
-              <a:t>?</a:t>
-            </a:r>
-          </a:p>
-          <a:p>
-            <a:r>
-              <a:rPr lang="en-US" altLang="ko-KR" sz="2000" dirty="0" smtClean="0">
-                <a:latin typeface="HY헤드라인M" panose="02030600000101010101" pitchFamily="18" charset="-127"/>
-                <a:ea typeface="HY헤드라인M" panose="02030600000101010101" pitchFamily="18" charset="-127"/>
-              </a:rPr>
-              <a:t>A: </a:t>
-            </a:r>
-            <a:r>
-              <a:rPr lang="ko-KR" altLang="en-US" sz="2000" dirty="0" smtClean="0">
-                <a:latin typeface="HY헤드라인M" panose="02030600000101010101" pitchFamily="18" charset="-127"/>
-                <a:ea typeface="HY헤드라인M" panose="02030600000101010101" pitchFamily="18" charset="-127"/>
-              </a:rPr>
-              <a:t>이 </a:t>
-            </a:r>
-            <a:r>
-              <a:rPr lang="ko-KR" altLang="en-US" sz="2000" dirty="0" err="1" smtClean="0">
-                <a:latin typeface="HY헤드라인M" panose="02030600000101010101" pitchFamily="18" charset="-127"/>
-                <a:ea typeface="HY헤드라인M" panose="02030600000101010101" pitchFamily="18" charset="-127"/>
-              </a:rPr>
-              <a:t>스터디를</a:t>
-            </a:r>
-            <a:r>
-              <a:rPr lang="ko-KR" altLang="en-US" sz="2000" dirty="0" smtClean="0">
-                <a:latin typeface="HY헤드라인M" panose="02030600000101010101" pitchFamily="18" charset="-127"/>
-                <a:ea typeface="HY헤드라인M" panose="02030600000101010101" pitchFamily="18" charset="-127"/>
-              </a:rPr>
-              <a:t> 발판으로 더 좋은 </a:t>
-            </a:r>
-            <a:r>
-              <a:rPr lang="ko-KR" altLang="en-US" sz="2000" dirty="0" err="1" smtClean="0">
-                <a:latin typeface="HY헤드라인M" panose="02030600000101010101" pitchFamily="18" charset="-127"/>
-                <a:ea typeface="HY헤드라인M" panose="02030600000101010101" pitchFamily="18" charset="-127"/>
-              </a:rPr>
-              <a:t>스터디에</a:t>
-            </a:r>
-            <a:r>
-              <a:rPr lang="ko-KR" altLang="en-US" sz="2000" dirty="0" smtClean="0">
-                <a:latin typeface="HY헤드라인M" panose="02030600000101010101" pitchFamily="18" charset="-127"/>
-                <a:ea typeface="HY헤드라인M" panose="02030600000101010101" pitchFamily="18" charset="-127"/>
-              </a:rPr>
-              <a:t> 참가하기 위해서</a:t>
-            </a:r>
-            <a:r>
-              <a:rPr lang="en-US" altLang="ko-KR" sz="2000" dirty="0" smtClean="0">
-                <a:latin typeface="HY헤드라인M" panose="02030600000101010101" pitchFamily="18" charset="-127"/>
-                <a:ea typeface="HY헤드라인M" panose="02030600000101010101" pitchFamily="18" charset="-127"/>
-              </a:rPr>
-              <a:t>~!!!</a:t>
-            </a:r>
-            <a:endParaRPr lang="en-US" altLang="ko-KR" dirty="0">
-              <a:latin typeface="HY헤드라인M" panose="02030600000101010101" pitchFamily="18" charset="-127"/>
-              <a:ea typeface="HY헤드라인M" panose="02030600000101010101" pitchFamily="18" charset="-127"/>
-            </a:endParaRPr>
-          </a:p>
-        </p:txBody>
-      </p:sp>
-    </p:spTree>
-    <p:extLst>
-      <p:ext uri="{BB962C8B-B14F-4D97-AF65-F5344CB8AC3E}">
-        <p14:creationId xmlns:p14="http://schemas.microsoft.com/office/powerpoint/2010/main" val="3869704170"/>
-      </p:ext>
-    </p:extLst>
-  </p:cSld>
-  <p:clrMapOvr>
-    <a:masterClrMapping/>
-  </p:clrMapOvr>
-  <mc:AlternateContent xmlns:mc="http://schemas.openxmlformats.org/markup-compatibility/2006" xmlns:p14="http://schemas.microsoft.com/office/powerpoint/2010/main">
-    <mc:Choice Requires="p14">
-      <p:transition spd="slow" p14:dur="1300">
-        <p14:pan/>
-      </p:transition>
-    </mc:Choice>
-    <mc:Fallback xmlns="">
-      <p:transition spd="slow">
-        <p:fade/>
-      </p:transition>
-    </mc:Fallback>
-  </mc:AlternateContent>
-  <p:timing>
-    <p:tnLst>
-      <p:par>
-        <p:cTn id="1" dur="indefinite" restart="never" nodeType="tmRoot"/>
-      </p:par>
-    </p:tnLst>
-  </p:timing>
-</p:sld>
-</file>
-
-<file path=ppt/slides/slide20.xml><?xml version="1.0" encoding="utf-8"?>
+<file path=ppt/slides/slide21.xml><?xml version="1.0" encoding="utf-8"?>
 <p:sld xmlns:a="http://schemas.openxmlformats.org/drawingml/2006/main" xmlns:r="http://schemas.openxmlformats.org/officeDocument/2006/relationships" xmlns:p="http://schemas.openxmlformats.org/presentationml/2006/main">
   <p:cSld>
     <p:spTree>
@@ -10069,7 +10109,7 @@
 </p:sld>
 </file>
 
-<file path=ppt/slides/slide21.xml><?xml version="1.0" encoding="utf-8"?>
+<file path=ppt/slides/slide22.xml><?xml version="1.0" encoding="utf-8"?>
 <p:sld xmlns:a="http://schemas.openxmlformats.org/drawingml/2006/main" xmlns:r="http://schemas.openxmlformats.org/officeDocument/2006/relationships" xmlns:p="http://schemas.openxmlformats.org/presentationml/2006/main">
   <p:cSld>
     <p:spTree>
@@ -10794,10 +10834,6 @@
               </a:rPr>
               <a:t>!!!</a:t>
             </a:r>
-            <a:endParaRPr lang="en-US" altLang="ko-KR" sz="4800" dirty="0" smtClean="0">
-              <a:latin typeface="HY엽서M" panose="02030600000101010101" pitchFamily="18" charset="-127"/>
-              <a:ea typeface="HY엽서M" panose="02030600000101010101" pitchFamily="18" charset="-127"/>
-            </a:endParaRPr>
           </a:p>
         </p:txBody>
       </p:sp>
@@ -10993,10 +11029,6 @@
               </a:rPr>
               <a:t>?</a:t>
             </a:r>
-            <a:endParaRPr lang="ko-KR" altLang="en-US" sz="4400" dirty="0">
-              <a:latin typeface="HY엽서M" panose="02030600000101010101" pitchFamily="18" charset="-127"/>
-              <a:ea typeface="HY엽서M" panose="02030600000101010101" pitchFamily="18" charset="-127"/>
-            </a:endParaRPr>
           </a:p>
         </p:txBody>
       </p:sp>
